--- a/CancerContributors.pptx
+++ b/CancerContributors.pptx
@@ -261,6 +261,11 @@
       </a:defRPr>
     </a:lvl9pPr>
   </p:defaultTextStyle>
+  <p:extLst>
+    <p:ext uri="{EFAFB233-063F-42B5-8137-9DF3F51BA10A}">
+      <p15:sldGuideLst xmlns:p15="http://schemas.microsoft.com/office/powerpoint/2012/main"/>
+    </p:ext>
+  </p:extLst>
 </p:presentation>
 </file>
 
@@ -24105,7 +24110,19 @@
                 <a:cs typeface="Trebuchet MS"/>
                 <a:sym typeface="Trebuchet MS"/>
               </a:rPr>
-              <a:t>eveloped by the Center for Disease Control in order for states and communities to measure HRQOL. T</a:t>
+              <a:t>eveloped by the Center for Disease Control in order for states and communities to measure HRQOL.</a:t>
+            </a:r>
+            <a:r>
+              <a:rPr lang="en-US" sz="2000" b="0" i="0" u="none" strike="noStrike" cap="none">
+                <a:solidFill>
+                  <a:srgbClr val="3F3F3F"/>
+                </a:solidFill>
+                <a:latin typeface="Trebuchet MS"/>
+                <a:ea typeface="Trebuchet MS"/>
+                <a:cs typeface="Trebuchet MS"/>
+                <a:sym typeface="Trebuchet MS"/>
+              </a:rPr>
+              <a:t> </a:t>
             </a:r>
             <a:endParaRPr sz="2000" dirty="0"/>
           </a:p>

--- a/CancerContributors.pptx
+++ b/CancerContributors.pptx
@@ -2449,8 +2449,8 @@
         </p:nvSpPr>
         <p:spPr>
           <a:xfrm>
-            <a:off x="1143225" y="685800"/>
-            <a:ext cx="4572300" cy="3429000"/>
+            <a:off x="381000" y="685800"/>
+            <a:ext cx="6096000" cy="3429000"/>
           </a:xfrm>
           <a:custGeom>
             <a:avLst/>
@@ -2553,8 +2553,8 @@
         </p:nvSpPr>
         <p:spPr>
           <a:xfrm>
-            <a:off x="1143225" y="685800"/>
-            <a:ext cx="4572300" cy="3429000"/>
+            <a:off x="381000" y="685800"/>
+            <a:ext cx="6096000" cy="3429000"/>
           </a:xfrm>
           <a:custGeom>
             <a:avLst/>
@@ -27253,44 +27253,6 @@
           </a:p>
         </p:txBody>
       </p:sp>
-      <p:sp>
-        <p:nvSpPr>
-          <p:cNvPr id="168" name="Shape 168"/>
-          <p:cNvSpPr txBox="1">
-            <a:spLocks noGrp="1"/>
-          </p:cNvSpPr>
-          <p:nvPr>
-            <p:ph type="body" idx="1"/>
-          </p:nvPr>
-        </p:nvSpPr>
-        <p:spPr>
-          <a:xfrm>
-            <a:off x="677334" y="2160589"/>
-            <a:ext cx="8596800" cy="3880800"/>
-          </a:xfrm>
-          <a:prstGeom prst="rect">
-            <a:avLst/>
-          </a:prstGeom>
-        </p:spPr>
-        <p:txBody>
-          <a:bodyPr spcFirstLastPara="1" wrap="square" lIns="91425" tIns="91425" rIns="91425" bIns="91425" anchor="t" anchorCtr="0">
-            <a:noAutofit/>
-          </a:bodyPr>
-          <a:lstStyle/>
-          <a:p>
-            <a:pPr marL="0" lvl="0" indent="0">
-              <a:spcBef>
-                <a:spcPts val="1000"/>
-              </a:spcBef>
-              <a:spcAft>
-                <a:spcPts val="0"/>
-              </a:spcAft>
-              <a:buNone/>
-            </a:pPr>
-            <a:endParaRPr/>
-          </a:p>
-        </p:txBody>
-      </p:sp>
       <p:pic>
         <p:nvPicPr>
           <p:cNvPr id="169" name="Shape 169"/>
@@ -27382,44 +27344,6 @@
               <a:rPr lang="en-US"/>
               <a:t>Mortality Rate</a:t>
             </a:r>
-            <a:endParaRPr/>
-          </a:p>
-        </p:txBody>
-      </p:sp>
-      <p:sp>
-        <p:nvSpPr>
-          <p:cNvPr id="175" name="Shape 175"/>
-          <p:cNvSpPr txBox="1">
-            <a:spLocks noGrp="1"/>
-          </p:cNvSpPr>
-          <p:nvPr>
-            <p:ph type="body" idx="1"/>
-          </p:nvPr>
-        </p:nvSpPr>
-        <p:spPr>
-          <a:xfrm>
-            <a:off x="677334" y="2160589"/>
-            <a:ext cx="8596800" cy="3880800"/>
-          </a:xfrm>
-          <a:prstGeom prst="rect">
-            <a:avLst/>
-          </a:prstGeom>
-        </p:spPr>
-        <p:txBody>
-          <a:bodyPr spcFirstLastPara="1" wrap="square" lIns="91425" tIns="91425" rIns="91425" bIns="91425" anchor="t" anchorCtr="0">
-            <a:noAutofit/>
-          </a:bodyPr>
-          <a:lstStyle/>
-          <a:p>
-            <a:pPr marL="0" lvl="0" indent="0">
-              <a:spcBef>
-                <a:spcPts val="1000"/>
-              </a:spcBef>
-              <a:spcAft>
-                <a:spcPts val="0"/>
-              </a:spcAft>
-              <a:buNone/>
-            </a:pPr>
             <a:endParaRPr/>
           </a:p>
         </p:txBody>
